--- a/Awsd.pptx
+++ b/Awsd.pptx
@@ -104,6 +104,11 @@
       </a:defRPr>
     </a:lvl9pPr>
   </p:defaultTextStyle>
+  <p:extLst>
+    <p:ext uri="{EFAFB233-063F-42B5-8137-9DF3F51BA10A}">
+      <p15:sldGuideLst xmlns:p15="http://schemas.microsoft.com/office/powerpoint/2012/main"/>
+    </p:ext>
+  </p:extLst>
 </p:presentation>
 </file>
 
@@ -308,7 +313,7 @@
           <a:p>
             <a:fld id="{5BA4894F-2565-48D1-9CF1-FC52323B1232}" type="slidenum">
               <a:rPr lang="en-US" smtClean="0"/>
-              <a:t>‹#›</a:t>
+              <a:t>‹Nº›</a:t>
             </a:fld>
             <a:endParaRPr lang="en-US"/>
           </a:p>
@@ -506,7 +511,7 @@
           <a:p>
             <a:fld id="{5BA4894F-2565-48D1-9CF1-FC52323B1232}" type="slidenum">
               <a:rPr lang="en-US" smtClean="0"/>
-              <a:t>‹#›</a:t>
+              <a:t>‹Nº›</a:t>
             </a:fld>
             <a:endParaRPr lang="en-US"/>
           </a:p>
@@ -714,7 +719,7 @@
           <a:p>
             <a:fld id="{5BA4894F-2565-48D1-9CF1-FC52323B1232}" type="slidenum">
               <a:rPr lang="en-US" smtClean="0"/>
-              <a:t>‹#›</a:t>
+              <a:t>‹Nº›</a:t>
             </a:fld>
             <a:endParaRPr lang="en-US"/>
           </a:p>
@@ -912,7 +917,7 @@
           <a:p>
             <a:fld id="{5BA4894F-2565-48D1-9CF1-FC52323B1232}" type="slidenum">
               <a:rPr lang="en-US" smtClean="0"/>
-              <a:t>‹#›</a:t>
+              <a:t>‹Nº›</a:t>
             </a:fld>
             <a:endParaRPr lang="en-US"/>
           </a:p>
@@ -1187,7 +1192,7 @@
           <a:p>
             <a:fld id="{5BA4894F-2565-48D1-9CF1-FC52323B1232}" type="slidenum">
               <a:rPr lang="en-US" smtClean="0"/>
-              <a:t>‹#›</a:t>
+              <a:t>‹Nº›</a:t>
             </a:fld>
             <a:endParaRPr lang="en-US"/>
           </a:p>
@@ -1452,7 +1457,7 @@
           <a:p>
             <a:fld id="{5BA4894F-2565-48D1-9CF1-FC52323B1232}" type="slidenum">
               <a:rPr lang="en-US" smtClean="0"/>
-              <a:t>‹#›</a:t>
+              <a:t>‹Nº›</a:t>
             </a:fld>
             <a:endParaRPr lang="en-US"/>
           </a:p>
@@ -1864,7 +1869,7 @@
           <a:p>
             <a:fld id="{5BA4894F-2565-48D1-9CF1-FC52323B1232}" type="slidenum">
               <a:rPr lang="en-US" smtClean="0"/>
-              <a:t>‹#›</a:t>
+              <a:t>‹Nº›</a:t>
             </a:fld>
             <a:endParaRPr lang="en-US"/>
           </a:p>
@@ -2005,7 +2010,7 @@
           <a:p>
             <a:fld id="{5BA4894F-2565-48D1-9CF1-FC52323B1232}" type="slidenum">
               <a:rPr lang="en-US" smtClean="0"/>
-              <a:t>‹#›</a:t>
+              <a:t>‹Nº›</a:t>
             </a:fld>
             <a:endParaRPr lang="en-US"/>
           </a:p>
@@ -2118,7 +2123,7 @@
           <a:p>
             <a:fld id="{5BA4894F-2565-48D1-9CF1-FC52323B1232}" type="slidenum">
               <a:rPr lang="en-US" smtClean="0"/>
-              <a:t>‹#›</a:t>
+              <a:t>‹Nº›</a:t>
             </a:fld>
             <a:endParaRPr lang="en-US"/>
           </a:p>
@@ -2429,7 +2434,7 @@
           <a:p>
             <a:fld id="{5BA4894F-2565-48D1-9CF1-FC52323B1232}" type="slidenum">
               <a:rPr lang="en-US" smtClean="0"/>
-              <a:t>‹#›</a:t>
+              <a:t>‹Nº›</a:t>
             </a:fld>
             <a:endParaRPr lang="en-US"/>
           </a:p>
@@ -2717,7 +2722,7 @@
           <a:p>
             <a:fld id="{5BA4894F-2565-48D1-9CF1-FC52323B1232}" type="slidenum">
               <a:rPr lang="en-US" smtClean="0"/>
-              <a:t>‹#›</a:t>
+              <a:t>‹Nº›</a:t>
             </a:fld>
             <a:endParaRPr lang="en-US"/>
           </a:p>
@@ -2994,7 +2999,7 @@
           <a:p>
             <a:fld id="{5BA4894F-2565-48D1-9CF1-FC52323B1232}" type="slidenum">
               <a:rPr lang="en-US" smtClean="0"/>
-              <a:t>‹#›</a:t>
+              <a:t>‹Nº›</a:t>
             </a:fld>
             <a:endParaRPr lang="en-US"/>
           </a:p>
@@ -3346,6 +3351,10 @@
               <a:rPr lang="en-US" dirty="0" err="1"/>
               <a:t>Awsd</a:t>
             </a:r>
+            <a:r>
+              <a:rPr lang="en-US"/>
+              <a:t/>
+            </a:r>
             <a:br>
               <a:rPr lang="en-US"/>
             </a:br>
@@ -3374,7 +3383,15 @@
           <a:bodyPr/>
           <a:lstStyle/>
           <a:p>
-            <a:endParaRPr lang="en-US"/>
+            <a:r>
+              <a:rPr lang="en-US" dirty="0" err="1" smtClean="0"/>
+              <a:t>Hola</a:t>
+            </a:r>
+            <a:r>
+              <a:rPr lang="en-US" dirty="0" smtClean="0"/>
+              <a:t> ? AWSD</a:t>
+            </a:r>
+            <a:endParaRPr lang="en-US" dirty="0"/>
           </a:p>
         </p:txBody>
       </p:sp>

--- a/Awsd.pptx
+++ b/Awsd.pptx
@@ -104,6 +104,11 @@
       </a:defRPr>
     </a:lvl9pPr>
   </p:defaultTextStyle>
+  <p:extLst>
+    <p:ext uri="{EFAFB233-063F-42B5-8137-9DF3F51BA10A}">
+      <p15:sldGuideLst xmlns:p15="http://schemas.microsoft.com/office/powerpoint/2012/main"/>
+    </p:ext>
+  </p:extLst>
 </p:presentation>
 </file>
 
@@ -3374,7 +3379,19 @@
           <a:bodyPr/>
           <a:lstStyle/>
           <a:p>
-            <a:endParaRPr lang="en-US"/>
+            <a:r>
+              <a:rPr lang="en-US" dirty="0" err="1"/>
+              <a:t>Presentacion</a:t>
+            </a:r>
+            <a:r>
+              <a:rPr lang="en-US" dirty="0"/>
+              <a:t> </a:t>
+            </a:r>
+            <a:r>
+              <a:rPr lang="en-US" dirty="0" err="1"/>
+              <a:t>ganadora</a:t>
+            </a:r>
+            <a:endParaRPr lang="en-US" dirty="0"/>
           </a:p>
         </p:txBody>
       </p:sp>
